--- a/prezentacie/t10w.pptx
+++ b/prezentacie/t10w.pptx
@@ -256,7 +256,7 @@
           <a:p>
             <a:fld id="{10052495-8BC8-4CFB-94B1-B0429F101A0D}" type="datetimeFigureOut">
               <a:rPr lang="sk-SK" smtClean="0"/>
-              <a:t>30. 10. 2025</a:t>
+              <a:t>11. 11. 2025</a:t>
             </a:fld>
             <a:endParaRPr lang="sk-SK"/>
           </a:p>
@@ -426,7 +426,7 @@
           <a:p>
             <a:fld id="{10052495-8BC8-4CFB-94B1-B0429F101A0D}" type="datetimeFigureOut">
               <a:rPr lang="sk-SK" smtClean="0"/>
-              <a:t>30. 10. 2025</a:t>
+              <a:t>11. 11. 2025</a:t>
             </a:fld>
             <a:endParaRPr lang="sk-SK"/>
           </a:p>
@@ -606,7 +606,7 @@
           <a:p>
             <a:fld id="{10052495-8BC8-4CFB-94B1-B0429F101A0D}" type="datetimeFigureOut">
               <a:rPr lang="sk-SK" smtClean="0"/>
-              <a:t>30. 10. 2025</a:t>
+              <a:t>11. 11. 2025</a:t>
             </a:fld>
             <a:endParaRPr lang="sk-SK"/>
           </a:p>
@@ -776,7 +776,7 @@
           <a:p>
             <a:fld id="{10052495-8BC8-4CFB-94B1-B0429F101A0D}" type="datetimeFigureOut">
               <a:rPr lang="sk-SK" smtClean="0"/>
-              <a:t>30. 10. 2025</a:t>
+              <a:t>11. 11. 2025</a:t>
             </a:fld>
             <a:endParaRPr lang="sk-SK"/>
           </a:p>
@@ -1022,7 +1022,7 @@
           <a:p>
             <a:fld id="{10052495-8BC8-4CFB-94B1-B0429F101A0D}" type="datetimeFigureOut">
               <a:rPr lang="sk-SK" smtClean="0"/>
-              <a:t>30. 10. 2025</a:t>
+              <a:t>11. 11. 2025</a:t>
             </a:fld>
             <a:endParaRPr lang="sk-SK"/>
           </a:p>
@@ -1254,7 +1254,7 @@
           <a:p>
             <a:fld id="{10052495-8BC8-4CFB-94B1-B0429F101A0D}" type="datetimeFigureOut">
               <a:rPr lang="sk-SK" smtClean="0"/>
-              <a:t>30. 10. 2025</a:t>
+              <a:t>11. 11. 2025</a:t>
             </a:fld>
             <a:endParaRPr lang="sk-SK"/>
           </a:p>
@@ -1621,7 +1621,7 @@
           <a:p>
             <a:fld id="{10052495-8BC8-4CFB-94B1-B0429F101A0D}" type="datetimeFigureOut">
               <a:rPr lang="sk-SK" smtClean="0"/>
-              <a:t>30. 10. 2025</a:t>
+              <a:t>11. 11. 2025</a:t>
             </a:fld>
             <a:endParaRPr lang="sk-SK"/>
           </a:p>
@@ -1739,7 +1739,7 @@
           <a:p>
             <a:fld id="{10052495-8BC8-4CFB-94B1-B0429F101A0D}" type="datetimeFigureOut">
               <a:rPr lang="sk-SK" smtClean="0"/>
-              <a:t>30. 10. 2025</a:t>
+              <a:t>11. 11. 2025</a:t>
             </a:fld>
             <a:endParaRPr lang="sk-SK"/>
           </a:p>
@@ -1834,7 +1834,7 @@
           <a:p>
             <a:fld id="{10052495-8BC8-4CFB-94B1-B0429F101A0D}" type="datetimeFigureOut">
               <a:rPr lang="sk-SK" smtClean="0"/>
-              <a:t>30. 10. 2025</a:t>
+              <a:t>11. 11. 2025</a:t>
             </a:fld>
             <a:endParaRPr lang="sk-SK"/>
           </a:p>
@@ -2111,7 +2111,7 @@
           <a:p>
             <a:fld id="{10052495-8BC8-4CFB-94B1-B0429F101A0D}" type="datetimeFigureOut">
               <a:rPr lang="sk-SK" smtClean="0"/>
-              <a:t>30. 10. 2025</a:t>
+              <a:t>11. 11. 2025</a:t>
             </a:fld>
             <a:endParaRPr lang="sk-SK"/>
           </a:p>
@@ -2368,7 +2368,7 @@
           <a:p>
             <a:fld id="{10052495-8BC8-4CFB-94B1-B0429F101A0D}" type="datetimeFigureOut">
               <a:rPr lang="sk-SK" smtClean="0"/>
-              <a:t>30. 10. 2025</a:t>
+              <a:t>11. 11. 2025</a:t>
             </a:fld>
             <a:endParaRPr lang="sk-SK"/>
           </a:p>
@@ -2581,7 +2581,7 @@
           <a:p>
             <a:fld id="{10052495-8BC8-4CFB-94B1-B0429F101A0D}" type="datetimeFigureOut">
               <a:rPr lang="sk-SK" smtClean="0"/>
-              <a:t>30. 10. 2025</a:t>
+              <a:t>11. 11. 2025</a:t>
             </a:fld>
             <a:endParaRPr lang="sk-SK"/>
           </a:p>
@@ -4684,35 +4684,32 @@
                 </a:highlight>
                 <a:latin typeface="Consolas" panose="020B0609020204030204" pitchFamily="49" charset="0"/>
               </a:rPr>
-              <a:t>ziaci</a:t>
-            </a:r>
-            <a:r>
-              <a:rPr lang="sk-SK" dirty="0">
-                <a:highlight>
-                  <a:srgbClr val="FFFF00"/>
-                </a:highlight>
-                <a:latin typeface="Consolas" panose="020B0609020204030204" pitchFamily="49" charset="0"/>
-              </a:rPr>
-              <a:t> = new </a:t>
-            </a:r>
-            <a:r>
-              <a:rPr lang="sk-SK" dirty="0" err="1">
-                <a:highlight>
-                  <a:srgbClr val="FFFF00"/>
-                </a:highlight>
-                <a:latin typeface="Consolas" panose="020B0609020204030204" pitchFamily="49" charset="0"/>
-              </a:rPr>
-              <a:t>String</a:t>
-            </a:r>
-            <a:r>
-              <a:rPr lang="sk-SK" dirty="0">
-                <a:highlight>
-                  <a:srgbClr val="FFFF00"/>
-                </a:highlight>
-                <a:latin typeface="Consolas" panose="020B0609020204030204" pitchFamily="49" charset="0"/>
-              </a:rPr>
-              <a:t>[30];</a:t>
-            </a:r>
+              <a:t>ziac</a:t>
+            </a:r>
+            <a:r>
+              <a:rPr lang="en-US" dirty="0" err="1">
+                <a:highlight>
+                  <a:srgbClr val="FFFF00"/>
+                </a:highlight>
+                <a:latin typeface="Consolas" panose="020B0609020204030204" pitchFamily="49" charset="0"/>
+              </a:rPr>
+              <a:t>i</a:t>
+            </a:r>
+            <a:r>
+              <a:rPr lang="en-US" dirty="0">
+                <a:highlight>
+                  <a:srgbClr val="FFFF00"/>
+                </a:highlight>
+                <a:latin typeface="Consolas" panose="020B0609020204030204" pitchFamily="49" charset="0"/>
+              </a:rPr>
+              <a:t>;</a:t>
+            </a:r>
+            <a:endParaRPr lang="sk-SK" dirty="0">
+              <a:highlight>
+                <a:srgbClr val="FFFF00"/>
+              </a:highlight>
+              <a:latin typeface="Consolas" panose="020B0609020204030204" pitchFamily="49" charset="0"/>
+            </a:endParaRPr>
           </a:p>
           <a:p>
             <a:pPr marL="0" indent="0">
